--- a/Gruppe 7.pptx
+++ b/Gruppe 7.pptx
@@ -11,10 +11,12 @@
     <p:sldId id="261" r:id="rId5"/>
     <p:sldId id="262" r:id="rId6"/>
     <p:sldId id="265" r:id="rId7"/>
-    <p:sldId id="263" r:id="rId8"/>
-    <p:sldId id="264" r:id="rId9"/>
-    <p:sldId id="259" r:id="rId10"/>
-    <p:sldId id="260" r:id="rId11"/>
+    <p:sldId id="266" r:id="rId8"/>
+    <p:sldId id="263" r:id="rId9"/>
+    <p:sldId id="264" r:id="rId10"/>
+    <p:sldId id="267" r:id="rId11"/>
+    <p:sldId id="259" r:id="rId12"/>
+    <p:sldId id="260" r:id="rId13"/>
   </p:sldIdLst>
   <p:sldSz cx="12192000" cy="6858000"/>
   <p:notesSz cx="6858000" cy="9144000"/>
@@ -3449,6 +3451,267 @@
           <p:cNvPr id="2" name="Titel 1">
             <a:extLst>
               <a:ext uri="{FF2B5EF4-FFF2-40B4-BE49-F238E27FC236}">
+                <a16:creationId xmlns:a16="http://schemas.microsoft.com/office/drawing/2014/main" id="{B04359FA-316F-45F3-8A04-2909725C6D0A}"/>
+              </a:ext>
+            </a:extLst>
+          </p:cNvPr>
+          <p:cNvSpPr>
+            <a:spLocks noGrp="1"/>
+          </p:cNvSpPr>
+          <p:nvPr>
+            <p:ph type="title"/>
+          </p:nvPr>
+        </p:nvSpPr>
+        <p:spPr/>
+        <p:txBody>
+          <a:bodyPr/>
+          <a:lstStyle/>
+          <a:p>
+            <a:r>
+              <a:rPr lang="de-DE" dirty="0"/>
+              <a:t>Anwendungsfälle - 2</a:t>
+            </a:r>
+            <a:endParaRPr lang="en-GB" dirty="0"/>
+          </a:p>
+        </p:txBody>
+      </p:sp>
+      <p:pic>
+        <p:nvPicPr>
+          <p:cNvPr id="5" name="Inhaltsplatzhalter 4">
+            <a:extLst>
+              <a:ext uri="{FF2B5EF4-FFF2-40B4-BE49-F238E27FC236}">
+                <a16:creationId xmlns:a16="http://schemas.microsoft.com/office/drawing/2014/main" id="{10F2762D-F617-47A9-AEBC-321941B3F589}"/>
+              </a:ext>
+            </a:extLst>
+          </p:cNvPr>
+          <p:cNvPicPr>
+            <a:picLocks noGrp="1" noChangeAspect="1"/>
+          </p:cNvPicPr>
+          <p:nvPr>
+            <p:ph idx="1"/>
+          </p:nvPr>
+        </p:nvPicPr>
+        <p:blipFill>
+          <a:blip r:embed="rId2">
+            <a:extLst>
+              <a:ext uri="{28A0092B-C50C-407E-A947-70E740481C1C}">
+                <a14:useLocalDpi xmlns:a14="http://schemas.microsoft.com/office/drawing/2010/main" val="0"/>
+              </a:ext>
+            </a:extLst>
+          </a:blip>
+          <a:stretch>
+            <a:fillRect/>
+          </a:stretch>
+        </p:blipFill>
+        <p:spPr>
+          <a:xfrm>
+            <a:off x="5089415" y="1825625"/>
+            <a:ext cx="2013170" cy="4351338"/>
+          </a:xfrm>
+        </p:spPr>
+      </p:pic>
+    </p:spTree>
+    <p:extLst>
+      <p:ext uri="{BB962C8B-B14F-4D97-AF65-F5344CB8AC3E}">
+        <p14:creationId xmlns:p14="http://schemas.microsoft.com/office/powerpoint/2010/main" val="2280621848"/>
+      </p:ext>
+    </p:extLst>
+  </p:cSld>
+  <p:clrMapOvr>
+    <a:masterClrMapping/>
+  </p:clrMapOvr>
+</p:sld>
+</file>
+
+<file path=ppt/slides/slide11.xml><?xml version="1.0" encoding="utf-8"?>
+<p:sld xmlns:a="http://schemas.openxmlformats.org/drawingml/2006/main" xmlns:r="http://schemas.openxmlformats.org/officeDocument/2006/relationships" xmlns:p="http://schemas.openxmlformats.org/presentationml/2006/main">
+  <p:cSld>
+    <p:spTree>
+      <p:nvGrpSpPr>
+        <p:cNvPr id="1" name=""/>
+        <p:cNvGrpSpPr/>
+        <p:nvPr/>
+      </p:nvGrpSpPr>
+      <p:grpSpPr>
+        <a:xfrm>
+          <a:off x="0" y="0"/>
+          <a:ext cx="0" cy="0"/>
+          <a:chOff x="0" y="0"/>
+          <a:chExt cx="0" cy="0"/>
+        </a:xfrm>
+      </p:grpSpPr>
+      <p:sp>
+        <p:nvSpPr>
+          <p:cNvPr id="2" name="Titel 1">
+            <a:extLst>
+              <a:ext uri="{FF2B5EF4-FFF2-40B4-BE49-F238E27FC236}">
+                <a16:creationId xmlns:a16="http://schemas.microsoft.com/office/drawing/2014/main" id="{72CE35E3-4079-4F14-9074-4248CCADE956}"/>
+              </a:ext>
+            </a:extLst>
+          </p:cNvPr>
+          <p:cNvSpPr>
+            <a:spLocks noGrp="1"/>
+          </p:cNvSpPr>
+          <p:nvPr>
+            <p:ph type="title"/>
+          </p:nvPr>
+        </p:nvSpPr>
+        <p:spPr/>
+        <p:txBody>
+          <a:bodyPr/>
+          <a:lstStyle/>
+          <a:p>
+            <a:r>
+              <a:rPr lang="de-DE" dirty="0"/>
+              <a:t>Benutzerdokumentation</a:t>
+            </a:r>
+            <a:endParaRPr lang="en-GB" dirty="0"/>
+          </a:p>
+        </p:txBody>
+      </p:sp>
+      <p:sp>
+        <p:nvSpPr>
+          <p:cNvPr id="3" name="Inhaltsplatzhalter 2">
+            <a:extLst>
+              <a:ext uri="{FF2B5EF4-FFF2-40B4-BE49-F238E27FC236}">
+                <a16:creationId xmlns:a16="http://schemas.microsoft.com/office/drawing/2014/main" id="{1D15E046-AC97-4C90-81BA-C8968AB7C3DF}"/>
+              </a:ext>
+            </a:extLst>
+          </p:cNvPr>
+          <p:cNvSpPr>
+            <a:spLocks noGrp="1"/>
+          </p:cNvSpPr>
+          <p:nvPr>
+            <p:ph idx="1"/>
+          </p:nvPr>
+        </p:nvSpPr>
+        <p:spPr/>
+        <p:txBody>
+          <a:bodyPr>
+            <a:normAutofit/>
+          </a:bodyPr>
+          <a:lstStyle/>
+          <a:p>
+            <a:r>
+              <a:rPr lang="de-DE" sz="2000" dirty="0"/>
+              <a:t>Menü wird angezeigt: Auswahl der Optionen durch Eingabe der entsprechenden Zahl und Bestätigung durch ENTER</a:t>
+            </a:r>
+          </a:p>
+          <a:p>
+            <a:r>
+              <a:rPr lang="de-DE" sz="2000" dirty="0"/>
+              <a:t>MC – Verfahren:</a:t>
+            </a:r>
+          </a:p>
+          <a:p>
+            <a:pPr lvl="1"/>
+            <a:r>
+              <a:rPr lang="de-DE" sz="1200" dirty="0"/>
+              <a:t>Nach Start muss durch Zahleneingabe das Problem gewählt und die benötigten Erwartungswerte durch Eingabe des Dateinamens eingeben werden. Innerhalb der Datei müssen die Werte wie folgt gespeichert werden:</a:t>
+            </a:r>
+          </a:p>
+          <a:p>
+            <a:pPr lvl="2"/>
+            <a:r>
+              <a:rPr lang="de-DE" sz="1000" dirty="0"/>
+              <a:t>NOCH NICHT FESTGELEGT</a:t>
+            </a:r>
+          </a:p>
+          <a:p>
+            <a:pPr lvl="1"/>
+            <a:r>
+              <a:rPr lang="de-DE" sz="1200" dirty="0"/>
+              <a:t>Nach erfolgreicher Eingabe müssen nun die Art der Zufallsverteilung, Streuung und Auswahl unsicherer Parameter eingegeben werden. Dies erfolgt nach dem folgenden Schema:</a:t>
+            </a:r>
+          </a:p>
+          <a:p>
+            <a:pPr lvl="2"/>
+            <a:r>
+              <a:rPr lang="de-DE" sz="1000" dirty="0">
+                <a:solidFill>
+                  <a:prstClr val="black"/>
+                </a:solidFill>
+              </a:rPr>
+              <a:t>NOCH NICHT FESTGELEGT</a:t>
+            </a:r>
+          </a:p>
+          <a:p>
+            <a:pPr lvl="1"/>
+            <a:r>
+              <a:rPr lang="de-DE" sz="1200" dirty="0"/>
+              <a:t>Nach der erfolgreichen Eingabe wird das Programm in das Menü zurückkehren und die Ergebnisse gespeichert haben</a:t>
+            </a:r>
+          </a:p>
+          <a:p>
+            <a:r>
+              <a:rPr lang="de-DE" sz="1600" dirty="0"/>
+              <a:t>Anzeige der Ergebnisse:</a:t>
+            </a:r>
+          </a:p>
+          <a:p>
+            <a:pPr lvl="1"/>
+            <a:r>
+              <a:rPr lang="de-DE" sz="1200" dirty="0"/>
+              <a:t>Nach Start muss durch Zahleneingabe die Art der Darstellung gewählt werden:</a:t>
+            </a:r>
+          </a:p>
+          <a:p>
+            <a:pPr lvl="2"/>
+            <a:r>
+              <a:rPr lang="de-DE" sz="1000" dirty="0">
+                <a:solidFill>
+                  <a:prstClr val="black"/>
+                </a:solidFill>
+              </a:rPr>
+              <a:t>NOCH NICHT FESTGELEGT</a:t>
+            </a:r>
+            <a:endParaRPr lang="de-DE" sz="800" dirty="0"/>
+          </a:p>
+          <a:p>
+            <a:pPr lvl="1"/>
+            <a:r>
+              <a:rPr lang="de-DE" sz="1200" dirty="0"/>
+              <a:t>Nach erneutem Drücken der ENTER – Taste kehrt das Programm in das Menü zurück</a:t>
+            </a:r>
+            <a:endParaRPr lang="en-GB" sz="1200" dirty="0"/>
+          </a:p>
+        </p:txBody>
+      </p:sp>
+    </p:spTree>
+    <p:extLst>
+      <p:ext uri="{BB962C8B-B14F-4D97-AF65-F5344CB8AC3E}">
+        <p14:creationId xmlns:p14="http://schemas.microsoft.com/office/powerpoint/2010/main" val="3425484349"/>
+      </p:ext>
+    </p:extLst>
+  </p:cSld>
+  <p:clrMapOvr>
+    <a:masterClrMapping/>
+  </p:clrMapOvr>
+</p:sld>
+</file>
+
+<file path=ppt/slides/slide12.xml><?xml version="1.0" encoding="utf-8"?>
+<p:sld xmlns:a="http://schemas.openxmlformats.org/drawingml/2006/main" xmlns:r="http://schemas.openxmlformats.org/officeDocument/2006/relationships" xmlns:p="http://schemas.openxmlformats.org/presentationml/2006/main">
+  <p:cSld>
+    <p:spTree>
+      <p:nvGrpSpPr>
+        <p:cNvPr id="1" name=""/>
+        <p:cNvGrpSpPr/>
+        <p:nvPr/>
+      </p:nvGrpSpPr>
+      <p:grpSpPr>
+        <a:xfrm>
+          <a:off x="0" y="0"/>
+          <a:ext cx="0" cy="0"/>
+          <a:chOff x="0" y="0"/>
+          <a:chExt cx="0" cy="0"/>
+        </a:xfrm>
+      </p:grpSpPr>
+      <p:sp>
+        <p:nvSpPr>
+          <p:cNvPr id="2" name="Titel 1">
+            <a:extLst>
+              <a:ext uri="{FF2B5EF4-FFF2-40B4-BE49-F238E27FC236}">
                 <a16:creationId xmlns:a16="http://schemas.microsoft.com/office/drawing/2014/main" id="{9063310A-7F88-43F0-BD1F-2EABB31C578D}"/>
               </a:ext>
             </a:extLst>
@@ -3489,14 +3752,14 @@
             <p:ph idx="1"/>
             <p:extLst>
               <p:ext uri="{D42A27DB-BD31-4B8C-83A1-F6EECF244321}">
-                <p14:modId xmlns:p14="http://schemas.microsoft.com/office/powerpoint/2010/main" val="4075698600"/>
+                <p14:modId xmlns:p14="http://schemas.microsoft.com/office/powerpoint/2010/main" val="2400969035"/>
               </p:ext>
             </p:extLst>
           </p:nvPr>
         </p:nvGraphicFramePr>
         <p:xfrm>
           <a:off x="838200" y="1825625"/>
-          <a:ext cx="10515600" cy="2026920"/>
+          <a:ext cx="10515600" cy="2199640"/>
         </p:xfrm>
         <a:graphic>
           <a:graphicData uri="http://schemas.openxmlformats.org/drawingml/2006/table">
@@ -3562,24 +3825,45 @@
                     <a:lstStyle/>
                     <a:p>
                       <a:r>
-                        <a:rPr lang="de-DE" dirty="0"/>
-                        <a:t>Monte-Carlo-Verfahren</a:t>
-                      </a:r>
-                      <a:endParaRPr lang="en-GB" dirty="0"/>
-                    </a:p>
-                  </a:txBody>
-                  <a:tcPr/>
-                </a:tc>
-                <a:tc>
-                  <a:txBody>
-                    <a:bodyPr/>
-                    <a:lstStyle/>
-                    <a:p>
-                      <a:r>
-                        <a:rPr lang="de-DE"/>
+                        <a:rPr lang="de-DE" dirty="0">
+                          <a:solidFill>
+                            <a:schemeClr val="tx1"/>
+                          </a:solidFill>
+                        </a:rPr>
+                        <a:t>Monte-Carlo-Solver</a:t>
+                      </a:r>
+                      <a:endParaRPr lang="en-GB" dirty="0">
+                        <a:solidFill>
+                          <a:schemeClr val="tx1"/>
+                        </a:solidFill>
+                      </a:endParaRPr>
+                    </a:p>
+                  </a:txBody>
+                  <a:tcPr/>
+                </a:tc>
+                <a:tc>
+                  <a:txBody>
+                    <a:bodyPr/>
+                    <a:lstStyle/>
+                    <a:p>
+                      <a:r>
+                        <a:rPr lang="de-DE" dirty="0">
+                          <a:solidFill>
+                            <a:schemeClr val="tx1"/>
+                          </a:solidFill>
+                        </a:rPr>
                         <a:t>Verfahren, bei dem eine große Anzahl von Zufallsexperimenten anhand des Gesetzes der großen Zahlen der numerischen Lösung eines Problems dienen</a:t>
                       </a:r>
-                      <a:endParaRPr lang="en-GB" dirty="0"/>
+                    </a:p>
+                    <a:p>
+                      <a:r>
+                        <a:rPr lang="de-DE" dirty="0">
+                          <a:solidFill>
+                            <a:schemeClr val="tx1"/>
+                          </a:solidFill>
+                        </a:rPr>
+                        <a:t>Verwendet OpenMP zur parallelen Berechnung</a:t>
+                      </a:r>
                     </a:p>
                   </a:txBody>
                   <a:tcPr/>
@@ -3596,17 +3880,41 @@
                     <a:bodyPr/>
                     <a:lstStyle/>
                     <a:p>
-                      <a:endParaRPr lang="en-GB"/>
-                    </a:p>
-                  </a:txBody>
-                  <a:tcPr/>
-                </a:tc>
-                <a:tc>
-                  <a:txBody>
-                    <a:bodyPr/>
-                    <a:lstStyle/>
-                    <a:p>
-                      <a:endParaRPr lang="en-GB"/>
+                      <a:r>
+                        <a:rPr lang="de-DE" dirty="0">
+                          <a:solidFill>
+                            <a:schemeClr val="tx1"/>
+                          </a:solidFill>
+                        </a:rPr>
+                        <a:t>Dataset</a:t>
+                      </a:r>
+                      <a:endParaRPr lang="en-GB" dirty="0">
+                        <a:solidFill>
+                          <a:schemeClr val="tx1"/>
+                        </a:solidFill>
+                      </a:endParaRPr>
+                    </a:p>
+                  </a:txBody>
+                  <a:tcPr/>
+                </a:tc>
+                <a:tc>
+                  <a:txBody>
+                    <a:bodyPr/>
+                    <a:lstStyle/>
+                    <a:p>
+                      <a:r>
+                        <a:rPr lang="de-DE" dirty="0">
+                          <a:solidFill>
+                            <a:schemeClr val="tx1"/>
+                          </a:solidFill>
+                        </a:rPr>
+                        <a:t>Speicherklasse für Lösungen, enthält verschiedene Methoden zur Ausgabe</a:t>
+                      </a:r>
+                      <a:endParaRPr lang="en-GB" dirty="0">
+                        <a:solidFill>
+                          <a:schemeClr val="tx1"/>
+                        </a:solidFill>
+                      </a:endParaRPr>
                     </a:p>
                   </a:txBody>
                   <a:tcPr/>
@@ -3614,33 +3922,6 @@
                 <a:extLst>
                   <a:ext uri="{0D108BD9-81ED-4DB2-BD59-A6C34878D82A}">
                     <a16:rowId xmlns:a16="http://schemas.microsoft.com/office/drawing/2014/main" val="2080772407"/>
-                  </a:ext>
-                </a:extLst>
-              </a:tr>
-              <a:tr h="370840">
-                <a:tc>
-                  <a:txBody>
-                    <a:bodyPr/>
-                    <a:lstStyle/>
-                    <a:p>
-                      <a:endParaRPr lang="en-GB"/>
-                    </a:p>
-                  </a:txBody>
-                  <a:tcPr/>
-                </a:tc>
-                <a:tc>
-                  <a:txBody>
-                    <a:bodyPr/>
-                    <a:lstStyle/>
-                    <a:p>
-                      <a:endParaRPr lang="en-GB" dirty="0"/>
-                    </a:p>
-                  </a:txBody>
-                  <a:tcPr/>
-                </a:tc>
-                <a:extLst>
-                  <a:ext uri="{0D108BD9-81ED-4DB2-BD59-A6C34878D82A}">
-                    <a16:rowId xmlns:a16="http://schemas.microsoft.com/office/drawing/2014/main" val="899884375"/>
                   </a:ext>
                 </a:extLst>
               </a:tr>
@@ -3867,7 +4148,26 @@
             <a:pPr marL="0" indent="0">
               <a:buNone/>
             </a:pPr>
-            <a:endParaRPr lang="en-GB" dirty="0"/>
+            <a:endParaRPr lang="de-DE" sz="2000" dirty="0"/>
+          </a:p>
+          <a:p>
+            <a:pPr marL="0" indent="0">
+              <a:buNone/>
+            </a:pPr>
+            <a:r>
+              <a:rPr lang="de-DE" sz="2000" dirty="0"/>
+              <a:t>Nicht – funktional:</a:t>
+            </a:r>
+          </a:p>
+          <a:p>
+            <a:pPr marL="0" indent="0">
+              <a:buNone/>
+            </a:pPr>
+            <a:r>
+              <a:rPr lang="de-DE" sz="2000" dirty="0"/>
+              <a:t>gute Skalierbarkeit sicherstellen</a:t>
+            </a:r>
+            <a:endParaRPr lang="en-GB" sz="2000" dirty="0"/>
           </a:p>
         </p:txBody>
       </p:sp>
@@ -3993,6 +4293,42 @@
           </a:p>
         </p:txBody>
       </p:sp>
+      <p:pic>
+        <p:nvPicPr>
+          <p:cNvPr id="5" name="Grafik 4">
+            <a:extLst>
+              <a:ext uri="{FF2B5EF4-FFF2-40B4-BE49-F238E27FC236}">
+                <a16:creationId xmlns:a16="http://schemas.microsoft.com/office/drawing/2014/main" id="{035F2A78-5B22-4205-B42A-5983F74A8C12}"/>
+              </a:ext>
+            </a:extLst>
+          </p:cNvPr>
+          <p:cNvPicPr>
+            <a:picLocks noChangeAspect="1"/>
+          </p:cNvPicPr>
+          <p:nvPr/>
+        </p:nvPicPr>
+        <p:blipFill>
+          <a:blip r:embed="rId2">
+            <a:extLst>
+              <a:ext uri="{28A0092B-C50C-407E-A947-70E740481C1C}">
+                <a14:useLocalDpi xmlns:a14="http://schemas.microsoft.com/office/drawing/2010/main" val="0"/>
+              </a:ext>
+            </a:extLst>
+          </a:blip>
+          <a:stretch>
+            <a:fillRect/>
+          </a:stretch>
+        </p:blipFill>
+        <p:spPr>
+          <a:xfrm>
+            <a:off x="4809892" y="2332653"/>
+            <a:ext cx="6252266" cy="4160222"/>
+          </a:xfrm>
+          <a:prstGeom prst="rect">
+            <a:avLst/>
+          </a:prstGeom>
+        </p:spPr>
+      </p:pic>
     </p:spTree>
     <p:extLst>
       <p:ext uri="{BB962C8B-B14F-4D97-AF65-F5344CB8AC3E}">
@@ -5308,6 +5644,100 @@
           <p:cNvPr id="2" name="Titel 1">
             <a:extLst>
               <a:ext uri="{FF2B5EF4-FFF2-40B4-BE49-F238E27FC236}">
+                <a16:creationId xmlns:a16="http://schemas.microsoft.com/office/drawing/2014/main" id="{C8F3FEA9-1BD0-41E8-B619-E0603168CCBD}"/>
+              </a:ext>
+            </a:extLst>
+          </p:cNvPr>
+          <p:cNvSpPr>
+            <a:spLocks noGrp="1"/>
+          </p:cNvSpPr>
+          <p:nvPr>
+            <p:ph type="title"/>
+          </p:nvPr>
+        </p:nvSpPr>
+        <p:spPr/>
+        <p:txBody>
+          <a:bodyPr/>
+          <a:lstStyle/>
+          <a:p>
+            <a:r>
+              <a:rPr lang="de-DE" dirty="0"/>
+              <a:t>Anwendungsfälle - 1</a:t>
+            </a:r>
+            <a:endParaRPr lang="en-GB" dirty="0"/>
+          </a:p>
+        </p:txBody>
+      </p:sp>
+      <p:pic>
+        <p:nvPicPr>
+          <p:cNvPr id="5" name="Inhaltsplatzhalter 4">
+            <a:extLst>
+              <a:ext uri="{FF2B5EF4-FFF2-40B4-BE49-F238E27FC236}">
+                <a16:creationId xmlns:a16="http://schemas.microsoft.com/office/drawing/2014/main" id="{C8C7FA80-B188-4726-BCDA-1217680D7A7E}"/>
+              </a:ext>
+            </a:extLst>
+          </p:cNvPr>
+          <p:cNvPicPr>
+            <a:picLocks noGrp="1" noChangeAspect="1"/>
+          </p:cNvPicPr>
+          <p:nvPr>
+            <p:ph idx="1"/>
+          </p:nvPr>
+        </p:nvPicPr>
+        <p:blipFill>
+          <a:blip r:embed="rId2">
+            <a:extLst>
+              <a:ext uri="{28A0092B-C50C-407E-A947-70E740481C1C}">
+                <a14:useLocalDpi xmlns:a14="http://schemas.microsoft.com/office/drawing/2010/main" val="0"/>
+              </a:ext>
+            </a:extLst>
+          </a:blip>
+          <a:stretch>
+            <a:fillRect/>
+          </a:stretch>
+        </p:blipFill>
+        <p:spPr>
+          <a:xfrm>
+            <a:off x="4389397" y="1825625"/>
+            <a:ext cx="3413205" cy="4351338"/>
+          </a:xfrm>
+        </p:spPr>
+      </p:pic>
+    </p:spTree>
+    <p:extLst>
+      <p:ext uri="{BB962C8B-B14F-4D97-AF65-F5344CB8AC3E}">
+        <p14:creationId xmlns:p14="http://schemas.microsoft.com/office/powerpoint/2010/main" val="3993913116"/>
+      </p:ext>
+    </p:extLst>
+  </p:cSld>
+  <p:clrMapOvr>
+    <a:masterClrMapping/>
+  </p:clrMapOvr>
+</p:sld>
+</file>
+
+<file path=ppt/slides/slide8.xml><?xml version="1.0" encoding="utf-8"?>
+<p:sld xmlns:a="http://schemas.openxmlformats.org/drawingml/2006/main" xmlns:r="http://schemas.openxmlformats.org/officeDocument/2006/relationships" xmlns:p="http://schemas.openxmlformats.org/presentationml/2006/main">
+  <p:cSld>
+    <p:spTree>
+      <p:nvGrpSpPr>
+        <p:cNvPr id="1" name=""/>
+        <p:cNvGrpSpPr/>
+        <p:nvPr/>
+      </p:nvGrpSpPr>
+      <p:grpSpPr>
+        <a:xfrm>
+          <a:off x="0" y="0"/>
+          <a:ext cx="0" cy="0"/>
+          <a:chOff x="0" y="0"/>
+          <a:chExt cx="0" cy="0"/>
+        </a:xfrm>
+      </p:grpSpPr>
+      <p:sp>
+        <p:nvSpPr>
+          <p:cNvPr id="2" name="Titel 1">
+            <a:extLst>
+              <a:ext uri="{FF2B5EF4-FFF2-40B4-BE49-F238E27FC236}">
                 <a16:creationId xmlns:a16="http://schemas.microsoft.com/office/drawing/2014/main" id="{4D06747E-6888-485D-A461-B7CBF4FB1183}"/>
               </a:ext>
             </a:extLst>
@@ -5707,7 +6137,7 @@
 </p:sld>
 </file>
 
-<file path=ppt/slides/slide8.xml><?xml version="1.0" encoding="utf-8"?>
+<file path=ppt/slides/slide9.xml><?xml version="1.0" encoding="utf-8"?>
 <p:sld xmlns:a="http://schemas.openxmlformats.org/drawingml/2006/main" xmlns:r="http://schemas.openxmlformats.org/officeDocument/2006/relationships" xmlns:p="http://schemas.openxmlformats.org/presentationml/2006/main">
   <p:cSld>
     <p:spTree>
@@ -6134,90 +6564,6 @@
     <p:extLst>
       <p:ext uri="{BB962C8B-B14F-4D97-AF65-F5344CB8AC3E}">
         <p14:creationId xmlns:p14="http://schemas.microsoft.com/office/powerpoint/2010/main" val="3921085195"/>
-      </p:ext>
-    </p:extLst>
-  </p:cSld>
-  <p:clrMapOvr>
-    <a:masterClrMapping/>
-  </p:clrMapOvr>
-</p:sld>
-</file>
-
-<file path=ppt/slides/slide9.xml><?xml version="1.0" encoding="utf-8"?>
-<p:sld xmlns:a="http://schemas.openxmlformats.org/drawingml/2006/main" xmlns:r="http://schemas.openxmlformats.org/officeDocument/2006/relationships" xmlns:p="http://schemas.openxmlformats.org/presentationml/2006/main">
-  <p:cSld>
-    <p:spTree>
-      <p:nvGrpSpPr>
-        <p:cNvPr id="1" name=""/>
-        <p:cNvGrpSpPr/>
-        <p:nvPr/>
-      </p:nvGrpSpPr>
-      <p:grpSpPr>
-        <a:xfrm>
-          <a:off x="0" y="0"/>
-          <a:ext cx="0" cy="0"/>
-          <a:chOff x="0" y="0"/>
-          <a:chExt cx="0" cy="0"/>
-        </a:xfrm>
-      </p:grpSpPr>
-      <p:sp>
-        <p:nvSpPr>
-          <p:cNvPr id="2" name="Titel 1">
-            <a:extLst>
-              <a:ext uri="{FF2B5EF4-FFF2-40B4-BE49-F238E27FC236}">
-                <a16:creationId xmlns:a16="http://schemas.microsoft.com/office/drawing/2014/main" id="{72CE35E3-4079-4F14-9074-4248CCADE956}"/>
-              </a:ext>
-            </a:extLst>
-          </p:cNvPr>
-          <p:cNvSpPr>
-            <a:spLocks noGrp="1"/>
-          </p:cNvSpPr>
-          <p:nvPr>
-            <p:ph type="title"/>
-          </p:nvPr>
-        </p:nvSpPr>
-        <p:spPr/>
-        <p:txBody>
-          <a:bodyPr/>
-          <a:lstStyle/>
-          <a:p>
-            <a:r>
-              <a:rPr lang="de-DE" dirty="0"/>
-              <a:t>Benutzerdokumentation</a:t>
-            </a:r>
-            <a:endParaRPr lang="en-GB" dirty="0"/>
-          </a:p>
-        </p:txBody>
-      </p:sp>
-      <p:sp>
-        <p:nvSpPr>
-          <p:cNvPr id="3" name="Inhaltsplatzhalter 2">
-            <a:extLst>
-              <a:ext uri="{FF2B5EF4-FFF2-40B4-BE49-F238E27FC236}">
-                <a16:creationId xmlns:a16="http://schemas.microsoft.com/office/drawing/2014/main" id="{1D15E046-AC97-4C90-81BA-C8968AB7C3DF}"/>
-              </a:ext>
-            </a:extLst>
-          </p:cNvPr>
-          <p:cNvSpPr>
-            <a:spLocks noGrp="1"/>
-          </p:cNvSpPr>
-          <p:nvPr>
-            <p:ph idx="1"/>
-          </p:nvPr>
-        </p:nvSpPr>
-        <p:spPr/>
-        <p:txBody>
-          <a:bodyPr/>
-          <a:lstStyle/>
-          <a:p>
-            <a:endParaRPr lang="en-GB"/>
-          </a:p>
-        </p:txBody>
-      </p:sp>
-    </p:spTree>
-    <p:extLst>
-      <p:ext uri="{BB962C8B-B14F-4D97-AF65-F5344CB8AC3E}">
-        <p14:creationId xmlns:p14="http://schemas.microsoft.com/office/powerpoint/2010/main" val="3425484349"/>
       </p:ext>
     </p:extLst>
   </p:cSld>
